--- a/Docs/ISS Finder Presentation.pptx
+++ b/Docs/ISS Finder Presentation.pptx
@@ -5,10 +5,10 @@
     <p:sldMasterId id="2147483660" r:id="rId2"/>
   </p:sldMasterIdLst>
   <p:notesMasterIdLst>
-    <p:notesMasterId r:id="rId10"/>
+    <p:notesMasterId r:id="rId11"/>
   </p:notesMasterIdLst>
   <p:handoutMasterIdLst>
-    <p:handoutMasterId r:id="rId11"/>
+    <p:handoutMasterId r:id="rId12"/>
   </p:handoutMasterIdLst>
   <p:sldIdLst>
     <p:sldId id="257" r:id="rId3"/>
@@ -16,8 +16,9 @@
     <p:sldId id="273" r:id="rId5"/>
     <p:sldId id="274" r:id="rId6"/>
     <p:sldId id="275" r:id="rId7"/>
-    <p:sldId id="276" r:id="rId8"/>
-    <p:sldId id="277" r:id="rId9"/>
+    <p:sldId id="278" r:id="rId8"/>
+    <p:sldId id="276" r:id="rId9"/>
+    <p:sldId id="277" r:id="rId10"/>
   </p:sldIdLst>
   <p:sldSz cx="12188825" cy="6858000"/>
   <p:notesSz cx="6858000" cy="9144000"/>
@@ -118,7 +119,7 @@
   </p:defaultTextStyle>
   <p:extLst>
     <p:ext uri="{EFAFB233-063F-42B5-8137-9DF3F51BA10A}">
-      <p15:sldGuideLst xmlns:p15="http://schemas.microsoft.com/office/powerpoint/2012/main" xmlns="">
+      <p15:sldGuideLst xmlns="" xmlns:p15="http://schemas.microsoft.com/office/powerpoint/2012/main">
         <p15:guide id="1" orient="horz" pos="2160">
           <p15:clr>
             <a:srgbClr val="A4A3A4"/>
@@ -132,7 +133,7 @@
       </p15:sldGuideLst>
     </p:ext>
     <p:ext uri="{2D200454-40CA-4A62-9FC3-DE9A4176ACB9}">
-      <p15:notesGuideLst xmlns:p15="http://schemas.microsoft.com/office/powerpoint/2012/main" xmlns="">
+      <p15:notesGuideLst xmlns="" xmlns:p15="http://schemas.microsoft.com/office/powerpoint/2012/main">
         <p15:guide id="1" orient="horz" pos="2880">
           <p15:clr>
             <a:srgbClr val="A4A3A4"/>
@@ -661,6 +662,266 @@
     </a:lvl9pPr>
   </p:notesStyle>
 </p:notesMaster>
+</file>
+
+<file path=ppt/notesSlides/notesSlide1.xml><?xml version="1.0" encoding="utf-8"?>
+<p:notes xmlns:a="http://schemas.openxmlformats.org/drawingml/2006/main" xmlns:r="http://schemas.openxmlformats.org/officeDocument/2006/relationships" xmlns:p="http://schemas.openxmlformats.org/presentationml/2006/main">
+  <p:cSld>
+    <p:spTree>
+      <p:nvGrpSpPr>
+        <p:cNvPr id="1" name=""/>
+        <p:cNvGrpSpPr/>
+        <p:nvPr/>
+      </p:nvGrpSpPr>
+      <p:grpSpPr>
+        <a:xfrm>
+          <a:off x="0" y="0"/>
+          <a:ext cx="0" cy="0"/>
+          <a:chOff x="0" y="0"/>
+          <a:chExt cx="0" cy="0"/>
+        </a:xfrm>
+      </p:grpSpPr>
+      <p:sp>
+        <p:nvSpPr>
+          <p:cNvPr id="2" name="Slide Image Placeholder 1"/>
+          <p:cNvSpPr>
+            <a:spLocks noGrp="1" noRot="1" noChangeAspect="1"/>
+          </p:cNvSpPr>
+          <p:nvPr>
+            <p:ph type="sldImg"/>
+          </p:nvPr>
+        </p:nvSpPr>
+        <p:spPr/>
+      </p:sp>
+      <p:sp>
+        <p:nvSpPr>
+          <p:cNvPr id="3" name="Notes Placeholder 2"/>
+          <p:cNvSpPr>
+            <a:spLocks noGrp="1"/>
+          </p:cNvSpPr>
+          <p:nvPr>
+            <p:ph type="body" idx="1"/>
+          </p:nvPr>
+        </p:nvSpPr>
+        <p:spPr/>
+        <p:txBody>
+          <a:bodyPr/>
+          <a:lstStyle/>
+          <a:p>
+            <a:endParaRPr lang="en-US" dirty="0"/>
+          </a:p>
+        </p:txBody>
+      </p:sp>
+      <p:sp>
+        <p:nvSpPr>
+          <p:cNvPr id="4" name="Slide Number Placeholder 3"/>
+          <p:cNvSpPr>
+            <a:spLocks noGrp="1"/>
+          </p:cNvSpPr>
+          <p:nvPr>
+            <p:ph type="sldNum" sz="quarter" idx="10"/>
+          </p:nvPr>
+        </p:nvSpPr>
+        <p:spPr/>
+        <p:txBody>
+          <a:bodyPr/>
+          <a:lstStyle/>
+          <a:p>
+            <a:fld id="{3EBA5BD7-F043-4D1B-AA17-CD412FC534DE}" type="slidenum">
+              <a:rPr lang="en-US" smtClean="0"/>
+              <a:t>1</a:t>
+            </a:fld>
+            <a:endParaRPr lang="en-US"/>
+          </a:p>
+        </p:txBody>
+      </p:sp>
+    </p:spTree>
+    <p:extLst>
+      <p:ext uri="{BB962C8B-B14F-4D97-AF65-F5344CB8AC3E}">
+        <p14:creationId xmlns:p14="http://schemas.microsoft.com/office/powerpoint/2010/main" val="1964703874"/>
+      </p:ext>
+    </p:extLst>
+  </p:cSld>
+  <p:clrMapOvr>
+    <a:masterClrMapping/>
+  </p:clrMapOvr>
+</p:notes>
+</file>
+
+<file path=ppt/notesSlides/notesSlide2.xml><?xml version="1.0" encoding="utf-8"?>
+<p:notes xmlns:a="http://schemas.openxmlformats.org/drawingml/2006/main" xmlns:r="http://schemas.openxmlformats.org/officeDocument/2006/relationships" xmlns:p="http://schemas.openxmlformats.org/presentationml/2006/main">
+  <p:cSld>
+    <p:spTree>
+      <p:nvGrpSpPr>
+        <p:cNvPr id="1" name=""/>
+        <p:cNvGrpSpPr/>
+        <p:nvPr/>
+      </p:nvGrpSpPr>
+      <p:grpSpPr>
+        <a:xfrm>
+          <a:off x="0" y="0"/>
+          <a:ext cx="0" cy="0"/>
+          <a:chOff x="0" y="0"/>
+          <a:chExt cx="0" cy="0"/>
+        </a:xfrm>
+      </p:grpSpPr>
+      <p:sp>
+        <p:nvSpPr>
+          <p:cNvPr id="2" name="Slide Image Placeholder 1"/>
+          <p:cNvSpPr>
+            <a:spLocks noGrp="1" noRot="1" noChangeAspect="1"/>
+          </p:cNvSpPr>
+          <p:nvPr>
+            <p:ph type="sldImg"/>
+          </p:nvPr>
+        </p:nvSpPr>
+        <p:spPr/>
+      </p:sp>
+      <p:sp>
+        <p:nvSpPr>
+          <p:cNvPr id="3" name="Notes Placeholder 2"/>
+          <p:cNvSpPr>
+            <a:spLocks noGrp="1"/>
+          </p:cNvSpPr>
+          <p:nvPr>
+            <p:ph type="body" idx="1"/>
+          </p:nvPr>
+        </p:nvSpPr>
+        <p:spPr/>
+        <p:txBody>
+          <a:bodyPr/>
+          <a:lstStyle/>
+          <a:p>
+            <a:r>
+              <a:rPr lang="en-US" dirty="0" smtClean="0"/>
+              <a:t> - many people</a:t>
+            </a:r>
+            <a:r>
+              <a:rPr lang="en-US" baseline="0" dirty="0" smtClean="0"/>
+              <a:t> that are already interested in this does can only track it though articles and images in the web.</a:t>
+            </a:r>
+            <a:endParaRPr lang="en-US" dirty="0"/>
+          </a:p>
+        </p:txBody>
+      </p:sp>
+      <p:sp>
+        <p:nvSpPr>
+          <p:cNvPr id="4" name="Slide Number Placeholder 3"/>
+          <p:cNvSpPr>
+            <a:spLocks noGrp="1"/>
+          </p:cNvSpPr>
+          <p:nvPr>
+            <p:ph type="sldNum" sz="quarter" idx="10"/>
+          </p:nvPr>
+        </p:nvSpPr>
+        <p:spPr/>
+        <p:txBody>
+          <a:bodyPr/>
+          <a:lstStyle/>
+          <a:p>
+            <a:fld id="{3EBA5BD7-F043-4D1B-AA17-CD412FC534DE}" type="slidenum">
+              <a:rPr lang="en-US" smtClean="0"/>
+              <a:t>2</a:t>
+            </a:fld>
+            <a:endParaRPr lang="en-US"/>
+          </a:p>
+        </p:txBody>
+      </p:sp>
+    </p:spTree>
+    <p:extLst>
+      <p:ext uri="{BB962C8B-B14F-4D97-AF65-F5344CB8AC3E}">
+        <p14:creationId xmlns:p14="http://schemas.microsoft.com/office/powerpoint/2010/main" val="2147422888"/>
+      </p:ext>
+    </p:extLst>
+  </p:cSld>
+  <p:clrMapOvr>
+    <a:masterClrMapping/>
+  </p:clrMapOvr>
+</p:notes>
+</file>
+
+<file path=ppt/notesSlides/notesSlide3.xml><?xml version="1.0" encoding="utf-8"?>
+<p:notes xmlns:a="http://schemas.openxmlformats.org/drawingml/2006/main" xmlns:r="http://schemas.openxmlformats.org/officeDocument/2006/relationships" xmlns:p="http://schemas.openxmlformats.org/presentationml/2006/main">
+  <p:cSld>
+    <p:spTree>
+      <p:nvGrpSpPr>
+        <p:cNvPr id="1" name=""/>
+        <p:cNvGrpSpPr/>
+        <p:nvPr/>
+      </p:nvGrpSpPr>
+      <p:grpSpPr>
+        <a:xfrm>
+          <a:off x="0" y="0"/>
+          <a:ext cx="0" cy="0"/>
+          <a:chOff x="0" y="0"/>
+          <a:chExt cx="0" cy="0"/>
+        </a:xfrm>
+      </p:grpSpPr>
+      <p:sp>
+        <p:nvSpPr>
+          <p:cNvPr id="2" name="Slide Image Placeholder 1"/>
+          <p:cNvSpPr>
+            <a:spLocks noGrp="1" noRot="1" noChangeAspect="1"/>
+          </p:cNvSpPr>
+          <p:nvPr>
+            <p:ph type="sldImg"/>
+          </p:nvPr>
+        </p:nvSpPr>
+        <p:spPr/>
+      </p:sp>
+      <p:sp>
+        <p:nvSpPr>
+          <p:cNvPr id="3" name="Notes Placeholder 2"/>
+          <p:cNvSpPr>
+            <a:spLocks noGrp="1"/>
+          </p:cNvSpPr>
+          <p:nvPr>
+            <p:ph type="body" idx="1"/>
+          </p:nvPr>
+        </p:nvSpPr>
+        <p:spPr/>
+        <p:txBody>
+          <a:bodyPr/>
+          <a:lstStyle/>
+          <a:p>
+            <a:endParaRPr lang="en-US" dirty="0"/>
+          </a:p>
+        </p:txBody>
+      </p:sp>
+      <p:sp>
+        <p:nvSpPr>
+          <p:cNvPr id="4" name="Slide Number Placeholder 3"/>
+          <p:cNvSpPr>
+            <a:spLocks noGrp="1"/>
+          </p:cNvSpPr>
+          <p:nvPr>
+            <p:ph type="sldNum" sz="quarter" idx="10"/>
+          </p:nvPr>
+        </p:nvSpPr>
+        <p:spPr/>
+        <p:txBody>
+          <a:bodyPr/>
+          <a:lstStyle/>
+          <a:p>
+            <a:fld id="{3EBA5BD7-F043-4D1B-AA17-CD412FC534DE}" type="slidenum">
+              <a:rPr lang="en-US" smtClean="0"/>
+              <a:t>3</a:t>
+            </a:fld>
+            <a:endParaRPr lang="en-US"/>
+          </a:p>
+        </p:txBody>
+      </p:sp>
+    </p:spTree>
+    <p:extLst>
+      <p:ext uri="{BB962C8B-B14F-4D97-AF65-F5344CB8AC3E}">
+        <p14:creationId xmlns:p14="http://schemas.microsoft.com/office/powerpoint/2010/main" val="988587269"/>
+      </p:ext>
+    </p:extLst>
+  </p:cSld>
+  <p:clrMapOvr>
+    <a:masterClrMapping/>
+  </p:clrMapOvr>
+</p:notes>
 </file>
 
 <file path=ppt/slideLayouts/slideLayout1.xml><?xml version="1.0" encoding="utf-8"?>
@@ -5165,7 +5426,7 @@
   </p:txStyles>
   <p:extLst mod="1">
     <p:ext uri="{27BBF7A9-308A-43DC-89C8-2F10F3537804}">
-      <p15:sldGuideLst xmlns:p15="http://schemas.microsoft.com/office/powerpoint/2012/main" xmlns="">
+      <p15:sldGuideLst xmlns="" xmlns:p15="http://schemas.microsoft.com/office/powerpoint/2012/main">
         <p15:guide id="1" orient="horz" pos="2160" userDrawn="1">
           <p15:clr>
             <a:srgbClr val="F26B43"/>
@@ -5188,7 +5449,7 @@
     <p:bg>
       <p:bgPr>
         <a:blipFill dpi="0" rotWithShape="1">
-          <a:blip r:embed="rId2">
+          <a:blip r:embed="rId3">
             <a:lum/>
           </a:blip>
           <a:srcRect/>
@@ -5278,7 +5539,7 @@
           <p:nvPr/>
         </p:nvPicPr>
         <p:blipFill>
-          <a:blip r:embed="rId3">
+          <a:blip r:embed="rId4">
             <a:extLst>
               <a:ext uri="{28A0092B-C50C-407E-A947-70E740481C1C}">
                 <a14:useLocalDpi xmlns:a14="http://schemas.microsoft.com/office/drawing/2010/main" val="0"/>
@@ -5490,7 +5751,7 @@
           <a:p>
             <a:r>
               <a:rPr lang="en-US" dirty="0" smtClean="0"/>
-              <a:t>Problem</a:t>
+              <a:t>Problem – What’s the issue?</a:t>
             </a:r>
             <a:endParaRPr lang="en-US" dirty="0"/>
           </a:p>
@@ -5527,11 +5788,7 @@
           <a:p>
             <a:r>
               <a:rPr lang="en-US" dirty="0" smtClean="0"/>
-              <a:t>Many photographers need to know an accurate position for better phot</a:t>
-            </a:r>
-            <a:r>
-              <a:rPr lang="en-US" dirty="0" smtClean="0"/>
-              <a:t>o taking</a:t>
+              <a:t>Many photographers need to know an accurate position for better photo taking</a:t>
             </a:r>
             <a:endParaRPr lang="en-US" dirty="0"/>
           </a:p>
@@ -5610,7 +5867,7 @@
           <a:p>
             <a:r>
               <a:rPr lang="en-US" dirty="0" smtClean="0"/>
-              <a:t>Our solution</a:t>
+              <a:t>Our solution – What we did?</a:t>
             </a:r>
             <a:endParaRPr lang="en-US" dirty="0"/>
           </a:p>
@@ -5752,7 +6009,7 @@
           <a:p>
             <a:r>
               <a:rPr lang="en-US" dirty="0" smtClean="0"/>
-              <a:t>Our solution - Development</a:t>
+              <a:t>Our solution – What were our difficulties?</a:t>
             </a:r>
             <a:endParaRPr lang="en-US" dirty="0"/>
           </a:p>
@@ -5952,7 +6209,7 @@
           <a:p>
             <a:r>
               <a:rPr lang="en-US" dirty="0" smtClean="0"/>
-              <a:t>Our solution – future enhancements</a:t>
+              <a:t>Our solution – what now?</a:t>
             </a:r>
             <a:endParaRPr lang="en-US" dirty="0"/>
           </a:p>
@@ -6001,6 +6258,12 @@
             <a:r>
               <a:rPr lang="en-US" dirty="0" smtClean="0"/>
               <a:t>Include other significant objects that can be observed (satellites, stars, planets etc.) and info regarding them</a:t>
+            </a:r>
+          </a:p>
+          <a:p>
+            <a:r>
+              <a:rPr lang="en-US" dirty="0" smtClean="0"/>
+              <a:t>Port the app to Windows8, Android, iPhone</a:t>
             </a:r>
             <a:endParaRPr lang="en-US" dirty="0"/>
           </a:p>
@@ -6072,7 +6335,7 @@
           <a:p>
             <a:r>
               <a:rPr lang="en-US" dirty="0" smtClean="0"/>
-              <a:t>Resources</a:t>
+              <a:t>Collaboration</a:t>
             </a:r>
             <a:endParaRPr lang="en-US" dirty="0"/>
           </a:p>
@@ -6101,57 +6364,31 @@
           <a:lstStyle/>
           <a:p>
             <a:r>
-              <a:rPr lang="en-US" dirty="0"/>
-              <a:t>Video of the app - </a:t>
-            </a:r>
-            <a:r>
-              <a:rPr lang="en-US" dirty="0">
-                <a:hlinkClick r:id="rId2"/>
-              </a:rPr>
-              <a:t>http://</a:t>
-            </a:r>
-            <a:r>
-              <a:rPr lang="en-US" dirty="0" smtClean="0">
-                <a:hlinkClick r:id="rId2"/>
-              </a:rPr>
-              <a:t>www.youtube.com/watch?v=86OYSvpW9XQ</a:t>
-            </a:r>
-            <a:endParaRPr lang="en-US" dirty="0" smtClean="0"/>
-          </a:p>
-          <a:p>
-            <a:r>
               <a:rPr lang="en-US" dirty="0" smtClean="0"/>
-              <a:t>Source code – </a:t>
-            </a:r>
-            <a:r>
-              <a:rPr lang="en-US" dirty="0" smtClean="0">
-                <a:hlinkClick r:id="rId3"/>
-              </a:rPr>
-              <a:t>https</a:t>
-            </a:r>
-            <a:r>
-              <a:rPr lang="en-US" dirty="0">
-                <a:hlinkClick r:id="rId3"/>
-              </a:rPr>
-              <a:t>://</a:t>
-            </a:r>
-            <a:r>
-              <a:rPr lang="en-US" dirty="0" smtClean="0">
-                <a:hlinkClick r:id="rId3"/>
-              </a:rPr>
-              <a:t>github.com/TKonov/NasaChallenge</a:t>
-            </a:r>
-            <a:endParaRPr lang="en-US" dirty="0" smtClean="0"/>
-          </a:p>
-          <a:p>
-            <a:endParaRPr lang="en-US" dirty="0" smtClean="0"/>
+              <a:t>Other team with the same challenge topic</a:t>
+            </a:r>
+          </a:p>
+          <a:p>
+            <a:pPr lvl="1"/>
+            <a:r>
+              <a:rPr lang="en-US" dirty="0" smtClean="0"/>
+              <a:t>Different technologies targeted</a:t>
+            </a:r>
+          </a:p>
+          <a:p>
+            <a:pPr lvl="1"/>
+            <a:r>
+              <a:rPr lang="en-US" dirty="0" smtClean="0"/>
+              <a:t>Helped each other and propose ideas</a:t>
+            </a:r>
+            <a:endParaRPr lang="en-US" dirty="0"/>
           </a:p>
         </p:txBody>
       </p:sp>
     </p:spTree>
     <p:extLst>
       <p:ext uri="{BB962C8B-B14F-4D97-AF65-F5344CB8AC3E}">
-        <p14:creationId xmlns:p14="http://schemas.microsoft.com/office/powerpoint/2010/main" val="2823622432"/>
+        <p14:creationId xmlns:p14="http://schemas.microsoft.com/office/powerpoint/2010/main" val="2498483324"/>
       </p:ext>
     </p:extLst>
   </p:cSld>
@@ -6207,21 +6444,169 @@
             <p:ph type="title"/>
           </p:nvPr>
         </p:nvSpPr>
+        <p:spPr/>
+        <p:txBody>
+          <a:bodyPr/>
+          <a:lstStyle/>
+          <a:p>
+            <a:r>
+              <a:rPr lang="en-US" dirty="0" smtClean="0"/>
+              <a:t>Resources</a:t>
+            </a:r>
+            <a:endParaRPr lang="en-US" dirty="0"/>
+          </a:p>
+        </p:txBody>
+      </p:sp>
+      <p:sp>
+        <p:nvSpPr>
+          <p:cNvPr id="3" name="Content Placeholder 2"/>
+          <p:cNvSpPr>
+            <a:spLocks noGrp="1"/>
+          </p:cNvSpPr>
+          <p:nvPr>
+            <p:ph sz="half" idx="1"/>
+          </p:nvPr>
+        </p:nvSpPr>
         <p:spPr>
           <a:xfrm>
-            <a:off x="1218883" y="274637"/>
+            <a:off x="1218883" y="1706880"/>
+            <a:ext cx="10285729" cy="3474720"/>
+          </a:xfrm>
+        </p:spPr>
+        <p:txBody>
+          <a:bodyPr>
+            <a:normAutofit/>
+          </a:bodyPr>
+          <a:lstStyle/>
+          <a:p>
+            <a:r>
+              <a:rPr lang="en-US" dirty="0"/>
+              <a:t>Video of the app - </a:t>
+            </a:r>
+            <a:r>
+              <a:rPr lang="en-US" dirty="0">
+                <a:hlinkClick r:id="rId2"/>
+              </a:rPr>
+              <a:t>http://</a:t>
+            </a:r>
+            <a:r>
+              <a:rPr lang="en-US" dirty="0" smtClean="0">
+                <a:hlinkClick r:id="rId2"/>
+              </a:rPr>
+              <a:t>www.youtube.com/watch?v=86OYSvpW9XQ</a:t>
+            </a:r>
+            <a:endParaRPr lang="en-US" dirty="0" smtClean="0"/>
+          </a:p>
+          <a:p>
+            <a:r>
+              <a:rPr lang="en-US" dirty="0" smtClean="0"/>
+              <a:t>Source code – </a:t>
+            </a:r>
+            <a:r>
+              <a:rPr lang="en-US" dirty="0" smtClean="0">
+                <a:hlinkClick r:id="rId3"/>
+              </a:rPr>
+              <a:t>https</a:t>
+            </a:r>
+            <a:r>
+              <a:rPr lang="en-US" dirty="0">
+                <a:hlinkClick r:id="rId3"/>
+              </a:rPr>
+              <a:t>://</a:t>
+            </a:r>
+            <a:r>
+              <a:rPr lang="en-US" dirty="0" smtClean="0">
+                <a:hlinkClick r:id="rId3"/>
+              </a:rPr>
+              <a:t>github.com/TKonov/NasaChallenge</a:t>
+            </a:r>
+            <a:endParaRPr lang="en-US" dirty="0" smtClean="0"/>
+          </a:p>
+          <a:p>
+            <a:endParaRPr lang="en-US" dirty="0" smtClean="0"/>
+          </a:p>
+        </p:txBody>
+      </p:sp>
+    </p:spTree>
+    <p:extLst>
+      <p:ext uri="{BB962C8B-B14F-4D97-AF65-F5344CB8AC3E}">
+        <p14:creationId xmlns:p14="http://schemas.microsoft.com/office/powerpoint/2010/main" val="2823622432"/>
+      </p:ext>
+    </p:extLst>
+  </p:cSld>
+  <p:clrMapOvr>
+    <a:masterClrMapping/>
+  </p:clrMapOvr>
+  <mc:AlternateContent xmlns:mc="http://schemas.openxmlformats.org/markup-compatibility/2006" xmlns:p14="http://schemas.microsoft.com/office/powerpoint/2010/main">
+    <mc:Choice Requires="p14">
+      <p:transition spd="med" p14:dur="700">
+        <p:fade/>
+      </p:transition>
+    </mc:Choice>
+    <mc:Fallback xmlns="">
+      <p:transition spd="med">
+        <p:fade/>
+      </p:transition>
+    </mc:Fallback>
+  </mc:AlternateContent>
+  <p:timing>
+    <p:tnLst>
+      <p:par>
+        <p:cTn id="1" dur="indefinite" restart="never" nodeType="tmRoot"/>
+      </p:par>
+    </p:tnLst>
+  </p:timing>
+</p:sld>
+</file>
+
+<file path=ppt/slides/slide8.xml><?xml version="1.0" encoding="utf-8"?>
+<p:sld xmlns:a="http://schemas.openxmlformats.org/drawingml/2006/main" xmlns:r="http://schemas.openxmlformats.org/officeDocument/2006/relationships" xmlns:p="http://schemas.openxmlformats.org/presentationml/2006/main">
+  <p:cSld>
+    <p:spTree>
+      <p:nvGrpSpPr>
+        <p:cNvPr id="1" name=""/>
+        <p:cNvGrpSpPr/>
+        <p:nvPr/>
+      </p:nvGrpSpPr>
+      <p:grpSpPr>
+        <a:xfrm>
+          <a:off x="0" y="0"/>
+          <a:ext cx="0" cy="0"/>
+          <a:chOff x="0" y="0"/>
+          <a:chExt cx="0" cy="0"/>
+        </a:xfrm>
+      </p:grpSpPr>
+      <p:sp>
+        <p:nvSpPr>
+          <p:cNvPr id="2" name="Title 1"/>
+          <p:cNvSpPr>
+            <a:spLocks noGrp="1"/>
+          </p:cNvSpPr>
+          <p:nvPr>
+            <p:ph type="title"/>
+          </p:nvPr>
+        </p:nvSpPr>
+        <p:spPr>
+          <a:xfrm>
+            <a:off x="1217612" y="533400"/>
             <a:ext cx="10360501" cy="639763"/>
           </a:xfrm>
         </p:spPr>
         <p:txBody>
-          <a:bodyPr/>
+          <a:bodyPr>
+            <a:noAutofit/>
+          </a:bodyPr>
           <a:lstStyle/>
           <a:p>
             <a:r>
-              <a:rPr lang="en-US" dirty="0" smtClean="0"/>
-              <a:t>Questions</a:t>
-            </a:r>
-            <a:endParaRPr lang="en-US" dirty="0"/>
+              <a:rPr lang="en-US" sz="5400" dirty="0" smtClean="0"/>
+              <a:t>Ask us </a:t>
+            </a:r>
+            <a:r>
+              <a:rPr lang="en-US" sz="5400" dirty="0" smtClean="0"/>
+              <a:t>anything</a:t>
+            </a:r>
+            <a:endParaRPr lang="en-US" sz="5400" dirty="0"/>
           </a:p>
         </p:txBody>
       </p:sp>
@@ -6249,7 +6634,7 @@
         </p:blipFill>
         <p:spPr>
           <a:xfrm>
-            <a:off x="3656012" y="1295400"/>
+            <a:off x="3960812" y="1143000"/>
             <a:ext cx="5638800" cy="4229100"/>
           </a:xfrm>
           <a:effectLst>
